--- a/Meeting_2/Slides_Meeting_2.pptx
+++ b/Meeting_2/Slides_Meeting_2.pptx
@@ -267,7 +267,7 @@
           <a:p>
             <a:fld id="{0D5E1A6D-9B5A-412E-8C89-26AE0D4FC6DF}" type="datetimeFigureOut">
               <a:rPr lang="nl-BE" smtClean="0"/>
-              <a:t>28/11/2021</a:t>
+              <a:t>29/11/2021</a:t>
             </a:fld>
             <a:endParaRPr lang="nl-BE"/>
           </a:p>
@@ -467,7 +467,7 @@
           <a:p>
             <a:fld id="{0D5E1A6D-9B5A-412E-8C89-26AE0D4FC6DF}" type="datetimeFigureOut">
               <a:rPr lang="nl-BE" smtClean="0"/>
-              <a:t>28/11/2021</a:t>
+              <a:t>29/11/2021</a:t>
             </a:fld>
             <a:endParaRPr lang="nl-BE"/>
           </a:p>
@@ -677,7 +677,7 @@
           <a:p>
             <a:fld id="{0D5E1A6D-9B5A-412E-8C89-26AE0D4FC6DF}" type="datetimeFigureOut">
               <a:rPr lang="nl-BE" smtClean="0"/>
-              <a:t>28/11/2021</a:t>
+              <a:t>29/11/2021</a:t>
             </a:fld>
             <a:endParaRPr lang="nl-BE"/>
           </a:p>
@@ -877,7 +877,7 @@
           <a:p>
             <a:fld id="{0D5E1A6D-9B5A-412E-8C89-26AE0D4FC6DF}" type="datetimeFigureOut">
               <a:rPr lang="nl-BE" smtClean="0"/>
-              <a:t>28/11/2021</a:t>
+              <a:t>29/11/2021</a:t>
             </a:fld>
             <a:endParaRPr lang="nl-BE"/>
           </a:p>
@@ -1153,7 +1153,7 @@
           <a:p>
             <a:fld id="{0D5E1A6D-9B5A-412E-8C89-26AE0D4FC6DF}" type="datetimeFigureOut">
               <a:rPr lang="nl-BE" smtClean="0"/>
-              <a:t>28/11/2021</a:t>
+              <a:t>29/11/2021</a:t>
             </a:fld>
             <a:endParaRPr lang="nl-BE"/>
           </a:p>
@@ -1421,7 +1421,7 @@
           <a:p>
             <a:fld id="{0D5E1A6D-9B5A-412E-8C89-26AE0D4FC6DF}" type="datetimeFigureOut">
               <a:rPr lang="nl-BE" smtClean="0"/>
-              <a:t>28/11/2021</a:t>
+              <a:t>29/11/2021</a:t>
             </a:fld>
             <a:endParaRPr lang="nl-BE"/>
           </a:p>
@@ -1836,7 +1836,7 @@
           <a:p>
             <a:fld id="{0D5E1A6D-9B5A-412E-8C89-26AE0D4FC6DF}" type="datetimeFigureOut">
               <a:rPr lang="nl-BE" smtClean="0"/>
-              <a:t>28/11/2021</a:t>
+              <a:t>29/11/2021</a:t>
             </a:fld>
             <a:endParaRPr lang="nl-BE"/>
           </a:p>
@@ -1978,7 +1978,7 @@
           <a:p>
             <a:fld id="{0D5E1A6D-9B5A-412E-8C89-26AE0D4FC6DF}" type="datetimeFigureOut">
               <a:rPr lang="nl-BE" smtClean="0"/>
-              <a:t>28/11/2021</a:t>
+              <a:t>29/11/2021</a:t>
             </a:fld>
             <a:endParaRPr lang="nl-BE"/>
           </a:p>
@@ -2091,7 +2091,7 @@
           <a:p>
             <a:fld id="{0D5E1A6D-9B5A-412E-8C89-26AE0D4FC6DF}" type="datetimeFigureOut">
               <a:rPr lang="nl-BE" smtClean="0"/>
-              <a:t>28/11/2021</a:t>
+              <a:t>29/11/2021</a:t>
             </a:fld>
             <a:endParaRPr lang="nl-BE"/>
           </a:p>
@@ -2404,7 +2404,7 @@
           <a:p>
             <a:fld id="{0D5E1A6D-9B5A-412E-8C89-26AE0D4FC6DF}" type="datetimeFigureOut">
               <a:rPr lang="nl-BE" smtClean="0"/>
-              <a:t>28/11/2021</a:t>
+              <a:t>29/11/2021</a:t>
             </a:fld>
             <a:endParaRPr lang="nl-BE"/>
           </a:p>
@@ -2693,7 +2693,7 @@
           <a:p>
             <a:fld id="{0D5E1A6D-9B5A-412E-8C89-26AE0D4FC6DF}" type="datetimeFigureOut">
               <a:rPr lang="nl-BE" smtClean="0"/>
-              <a:t>28/11/2021</a:t>
+              <a:t>29/11/2021</a:t>
             </a:fld>
             <a:endParaRPr lang="nl-BE"/>
           </a:p>
@@ -2936,7 +2936,7 @@
           <a:p>
             <a:fld id="{0D5E1A6D-9B5A-412E-8C89-26AE0D4FC6DF}" type="datetimeFigureOut">
               <a:rPr lang="nl-BE" smtClean="0"/>
-              <a:t>28/11/2021</a:t>
+              <a:t>29/11/2021</a:t>
             </a:fld>
             <a:endParaRPr lang="nl-BE"/>
           </a:p>
@@ -10168,8 +10168,8 @@
           <a:chExt cx="0" cy="0"/>
         </a:xfrm>
       </p:grpSpPr>
-      <mc:AlternateContent xmlns:mc="http://schemas.openxmlformats.org/markup-compatibility/2006" xmlns:a14="http://schemas.microsoft.com/office/drawing/2010/main">
-        <mc:Choice Requires="a14">
+      <mc:AlternateContent xmlns:mc="http://schemas.openxmlformats.org/markup-compatibility/2006">
+        <mc:Choice xmlns:a14="http://schemas.microsoft.com/office/drawing/2010/main" Requires="a14">
           <p:sp>
             <p:nvSpPr>
               <p:cNvPr id="3" name="Content Placeholder 2">
@@ -10568,7 +10568,7 @@
                                   <a:rPr lang="nl-BE" sz="2000" b="0" i="1" dirty="0" smtClean="0">
                                     <a:latin typeface="Cambria Math" panose="02040503050406030204" pitchFamily="18" charset="0"/>
                                   </a:rPr>
-                                  <m:t>0</m:t>
+                                  <m:t>𝐷</m:t>
                                 </m:r>
                               </m:e>
                             </m:mr>
@@ -10660,7 +10660,7 @@
             </p:txBody>
           </p:sp>
         </mc:Choice>
-        <mc:Fallback xmlns="">
+        <mc:Fallback>
           <p:sp>
             <p:nvSpPr>
               <p:cNvPr id="3" name="Content Placeholder 2">

--- a/Meeting_2/Slides_Meeting_2.pptx
+++ b/Meeting_2/Slides_Meeting_2.pptx
@@ -6118,695 +6118,8 @@
           </p:sp>
         </mc:Fallback>
       </mc:AlternateContent>
-      <p:sp>
-        <p:nvSpPr>
-          <p:cNvPr id="20" name="TextBox 19">
-            <a:extLst>
-              <a:ext uri="{FF2B5EF4-FFF2-40B4-BE49-F238E27FC236}">
-                <a16:creationId xmlns:a16="http://schemas.microsoft.com/office/drawing/2014/main" id="{34A11168-F6A5-4541-838C-B4DAE665FC02}"/>
-              </a:ext>
-            </a:extLst>
-          </p:cNvPr>
-          <p:cNvSpPr txBox="1"/>
-          <p:nvPr/>
-        </p:nvSpPr>
-        <p:spPr>
-          <a:xfrm>
-            <a:off x="3020148" y="3959430"/>
-            <a:ext cx="1719189" cy="369332"/>
-          </a:xfrm>
-          <a:prstGeom prst="rect">
-            <a:avLst/>
-          </a:prstGeom>
-          <a:noFill/>
-        </p:spPr>
-        <p:txBody>
-          <a:bodyPr wrap="none" rtlCol="0">
-            <a:spAutoFit/>
-          </a:bodyPr>
-          <a:lstStyle/>
-          <a:p>
-            <a:r>
-              <a:rPr lang="nl-BE" dirty="0"/>
-              <a:t>we </a:t>
-            </a:r>
-            <a:r>
-              <a:rPr lang="nl-BE" dirty="0" err="1"/>
-              <a:t>can</a:t>
-            </a:r>
-            <a:r>
-              <a:rPr lang="nl-BE" dirty="0"/>
-              <a:t> </a:t>
-            </a:r>
-            <a:r>
-              <a:rPr lang="nl-BE" dirty="0" err="1"/>
-              <a:t>linearize</a:t>
-            </a:r>
-            <a:endParaRPr lang="nl-BE" dirty="0"/>
-          </a:p>
-        </p:txBody>
-      </p:sp>
-      <mc:AlternateContent xmlns:mc="http://schemas.openxmlformats.org/markup-compatibility/2006" xmlns:a14="http://schemas.microsoft.com/office/drawing/2010/main">
-        <mc:Choice Requires="a14">
-          <p:sp>
-            <p:nvSpPr>
-              <p:cNvPr id="21" name="TextBox 20">
-                <a:extLst>
-                  <a:ext uri="{FF2B5EF4-FFF2-40B4-BE49-F238E27FC236}">
-                    <a16:creationId xmlns:a16="http://schemas.microsoft.com/office/drawing/2014/main" id="{BC7E06FE-7255-402C-B345-A683432FC185}"/>
-                  </a:ext>
-                </a:extLst>
-              </p:cNvPr>
-              <p:cNvSpPr txBox="1"/>
-              <p:nvPr/>
-            </p:nvSpPr>
-            <p:spPr>
-              <a:xfrm>
-                <a:off x="4270858" y="3948898"/>
-                <a:ext cx="2268984" cy="377989"/>
-              </a:xfrm>
-              <a:prstGeom prst="rect">
-                <a:avLst/>
-              </a:prstGeom>
-              <a:noFill/>
-            </p:spPr>
-            <p:txBody>
-              <a:bodyPr wrap="square">
-                <a:spAutoFit/>
-              </a:bodyPr>
-              <a:lstStyle/>
-              <a:p>
-                <a:pPr/>
-                <a14:m>
-                  <m:oMathPara xmlns:m="http://schemas.openxmlformats.org/officeDocument/2006/math">
-                    <m:oMathParaPr>
-                      <m:jc m:val="centerGroup"/>
-                    </m:oMathParaPr>
-                    <m:oMath xmlns:m="http://schemas.openxmlformats.org/officeDocument/2006/math">
-                      <m:acc>
-                        <m:accPr>
-                          <m:chr m:val="̇"/>
-                          <m:ctrlPr>
-                            <a:rPr lang="nl-BE" i="1" smtClean="0">
-                              <a:latin typeface="Cambria Math" panose="02040503050406030204" pitchFamily="18" charset="0"/>
-                            </a:rPr>
-                          </m:ctrlPr>
-                        </m:accPr>
-                        <m:e>
-                          <m:r>
-                            <a:rPr lang="nl-BE" b="0" i="1" smtClean="0">
-                              <a:latin typeface="Cambria Math" panose="02040503050406030204" pitchFamily="18" charset="0"/>
-                            </a:rPr>
-                            <m:t>𝑋</m:t>
-                          </m:r>
-                        </m:e>
-                      </m:acc>
-                      <m:r>
-                        <a:rPr lang="nl-BE" b="0" i="1" smtClean="0">
-                          <a:latin typeface="Cambria Math" panose="02040503050406030204" pitchFamily="18" charset="0"/>
-                        </a:rPr>
-                        <m:t>=</m:t>
-                      </m:r>
-                      <m:r>
-                        <a:rPr lang="nl-BE" b="0" i="1" smtClean="0">
-                          <a:latin typeface="Cambria Math" panose="02040503050406030204" pitchFamily="18" charset="0"/>
-                        </a:rPr>
-                        <m:t>𝑓</m:t>
-                      </m:r>
-                      <m:d>
-                        <m:dPr>
-                          <m:ctrlPr>
-                            <a:rPr lang="nl-BE" b="0" i="1" smtClean="0">
-                              <a:latin typeface="Cambria Math" panose="02040503050406030204" pitchFamily="18" charset="0"/>
-                            </a:rPr>
-                          </m:ctrlPr>
-                        </m:dPr>
-                        <m:e>
-                          <m:r>
-                            <a:rPr lang="nl-BE" b="0" i="1" smtClean="0">
-                              <a:latin typeface="Cambria Math" panose="02040503050406030204" pitchFamily="18" charset="0"/>
-                            </a:rPr>
-                            <m:t>𝑋</m:t>
-                          </m:r>
-                          <m:r>
-                            <a:rPr lang="nl-BE" b="0" i="1" smtClean="0">
-                              <a:latin typeface="Cambria Math" panose="02040503050406030204" pitchFamily="18" charset="0"/>
-                            </a:rPr>
-                            <m:t>,</m:t>
-                          </m:r>
-                          <m:r>
-                            <a:rPr lang="nl-BE" b="0" i="1" smtClean="0">
-                              <a:latin typeface="Cambria Math" panose="02040503050406030204" pitchFamily="18" charset="0"/>
-                            </a:rPr>
-                            <m:t>𝑢</m:t>
-                          </m:r>
-                          <m:r>
-                            <a:rPr lang="nl-BE" b="0" i="1" smtClean="0">
-                              <a:latin typeface="Cambria Math" panose="02040503050406030204" pitchFamily="18" charset="0"/>
-                            </a:rPr>
-                            <m:t>,</m:t>
-                          </m:r>
-                          <m:r>
-                            <a:rPr lang="nl-BE" b="0" i="1" smtClean="0">
-                              <a:latin typeface="Cambria Math" panose="02040503050406030204" pitchFamily="18" charset="0"/>
-                            </a:rPr>
-                            <m:t>𝑤</m:t>
-                          </m:r>
-                        </m:e>
-                      </m:d>
-                    </m:oMath>
-                  </m:oMathPara>
-                </a14:m>
-                <a:endParaRPr lang="nl-BE" dirty="0"/>
-              </a:p>
-            </p:txBody>
-          </p:sp>
-        </mc:Choice>
-        <mc:Fallback xmlns="">
-          <p:sp>
-            <p:nvSpPr>
-              <p:cNvPr id="21" name="TextBox 20">
-                <a:extLst>
-                  <a:ext uri="{FF2B5EF4-FFF2-40B4-BE49-F238E27FC236}">
-                    <a16:creationId xmlns:a16="http://schemas.microsoft.com/office/drawing/2014/main" id="{BC7E06FE-7255-402C-B345-A683432FC185}"/>
-                  </a:ext>
-                </a:extLst>
-              </p:cNvPr>
-              <p:cNvSpPr txBox="1">
-                <a:spLocks noRot="1" noChangeAspect="1" noMove="1" noResize="1" noEditPoints="1" noAdjustHandles="1" noChangeArrowheads="1" noChangeShapeType="1" noTextEdit="1"/>
-              </p:cNvSpPr>
-              <p:nvPr/>
-            </p:nvSpPr>
-            <p:spPr>
-              <a:xfrm>
-                <a:off x="4270858" y="3948898"/>
-                <a:ext cx="2268984" cy="377989"/>
-              </a:xfrm>
-              <a:prstGeom prst="rect">
-                <a:avLst/>
-              </a:prstGeom>
-              <a:blipFill>
-                <a:blip r:embed="rId7"/>
-                <a:stretch>
-                  <a:fillRect b="-12903"/>
-                </a:stretch>
-              </a:blipFill>
-            </p:spPr>
-            <p:txBody>
-              <a:bodyPr/>
-              <a:lstStyle/>
-              <a:p>
-                <a:r>
-                  <a:rPr lang="nl-BE">
-                    <a:noFill/>
-                  </a:rPr>
-                  <a:t> </a:t>
-                </a:r>
-              </a:p>
-            </p:txBody>
-          </p:sp>
-        </mc:Fallback>
-      </mc:AlternateContent>
-      <mc:AlternateContent xmlns:mc="http://schemas.openxmlformats.org/markup-compatibility/2006" xmlns:a14="http://schemas.microsoft.com/office/drawing/2010/main">
-        <mc:Choice Requires="a14">
-          <p:sp>
-            <p:nvSpPr>
-              <p:cNvPr id="22" name="TextBox 21">
-                <a:extLst>
-                  <a:ext uri="{FF2B5EF4-FFF2-40B4-BE49-F238E27FC236}">
-                    <a16:creationId xmlns:a16="http://schemas.microsoft.com/office/drawing/2014/main" id="{0D5B6532-67D1-4880-8B31-4C7CE14F7E89}"/>
-                  </a:ext>
-                </a:extLst>
-              </p:cNvPr>
-              <p:cNvSpPr txBox="1"/>
-              <p:nvPr/>
-            </p:nvSpPr>
-            <p:spPr>
-              <a:xfrm>
-                <a:off x="6061150" y="3972080"/>
-                <a:ext cx="4436664" cy="369332"/>
-              </a:xfrm>
-              <a:prstGeom prst="rect">
-                <a:avLst/>
-              </a:prstGeom>
-              <a:noFill/>
-            </p:spPr>
-            <p:txBody>
-              <a:bodyPr wrap="none" rtlCol="0">
-                <a:spAutoFit/>
-              </a:bodyPr>
-              <a:lstStyle/>
-              <a:p>
-                <a:r>
-                  <a:rPr lang="nl-BE" dirty="0"/>
-                  <a:t> </a:t>
-                </a:r>
-                <a:r>
-                  <a:rPr lang="nl-BE" dirty="0" err="1"/>
-                  <a:t>with</a:t>
-                </a:r>
-                <a:r>
-                  <a:rPr lang="nl-BE" dirty="0"/>
-                  <a:t> respect </a:t>
-                </a:r>
-                <a:r>
-                  <a:rPr lang="nl-BE" dirty="0" err="1"/>
-                  <a:t>to</a:t>
-                </a:r>
-                <a:r>
-                  <a:rPr lang="nl-BE" dirty="0"/>
-                  <a:t> </a:t>
-                </a:r>
-                <a14:m>
-                  <m:oMath xmlns:m="http://schemas.openxmlformats.org/officeDocument/2006/math">
-                    <m:sSub>
-                      <m:sSubPr>
-                        <m:ctrlPr>
-                          <a:rPr lang="nl-BE" i="1" smtClean="0">
-                            <a:latin typeface="Cambria Math" panose="02040503050406030204" pitchFamily="18" charset="0"/>
-                          </a:rPr>
-                        </m:ctrlPr>
-                      </m:sSubPr>
-                      <m:e>
-                        <m:r>
-                          <a:rPr lang="nl-BE" b="0" i="1" smtClean="0">
-                            <a:latin typeface="Cambria Math" panose="02040503050406030204" pitchFamily="18" charset="0"/>
-                          </a:rPr>
-                          <m:t>𝑥</m:t>
-                        </m:r>
-                      </m:e>
-                      <m:sub>
-                        <m:r>
-                          <a:rPr lang="nl-BE" b="0" i="1" smtClean="0">
-                            <a:latin typeface="Cambria Math" panose="02040503050406030204" pitchFamily="18" charset="0"/>
-                          </a:rPr>
-                          <m:t>𝑚</m:t>
-                        </m:r>
-                      </m:sub>
-                    </m:sSub>
-                  </m:oMath>
-                </a14:m>
-                <a:r>
-                  <a:rPr lang="nl-BE" dirty="0"/>
-                  <a:t> </a:t>
-                </a:r>
-                <a:r>
-                  <a:rPr lang="nl-BE" dirty="0" err="1"/>
-                  <a:t>to</a:t>
-                </a:r>
-                <a:r>
-                  <a:rPr lang="nl-BE" dirty="0"/>
-                  <a:t> </a:t>
-                </a:r>
-                <a:r>
-                  <a:rPr lang="nl-BE" dirty="0" err="1"/>
-                  <a:t>achieve</a:t>
-                </a:r>
-                <a:r>
-                  <a:rPr lang="nl-BE" dirty="0"/>
-                  <a:t> </a:t>
-                </a:r>
-                <a:r>
-                  <a:rPr lang="nl-BE" dirty="0" err="1"/>
-                  <a:t>the</a:t>
-                </a:r>
-                <a:r>
-                  <a:rPr lang="nl-BE" dirty="0"/>
-                  <a:t> </a:t>
-                </a:r>
-                <a:r>
-                  <a:rPr lang="nl-BE" dirty="0" err="1"/>
-                  <a:t>same</a:t>
-                </a:r>
-                <a:r>
-                  <a:rPr lang="nl-BE" dirty="0"/>
-                  <a:t> form</a:t>
-                </a:r>
-              </a:p>
-            </p:txBody>
-          </p:sp>
-        </mc:Choice>
-        <mc:Fallback xmlns="">
-          <p:sp>
-            <p:nvSpPr>
-              <p:cNvPr id="22" name="TextBox 21">
-                <a:extLst>
-                  <a:ext uri="{FF2B5EF4-FFF2-40B4-BE49-F238E27FC236}">
-                    <a16:creationId xmlns:a16="http://schemas.microsoft.com/office/drawing/2014/main" id="{0D5B6532-67D1-4880-8B31-4C7CE14F7E89}"/>
-                  </a:ext>
-                </a:extLst>
-              </p:cNvPr>
-              <p:cNvSpPr txBox="1">
-                <a:spLocks noRot="1" noChangeAspect="1" noMove="1" noResize="1" noEditPoints="1" noAdjustHandles="1" noChangeArrowheads="1" noChangeShapeType="1" noTextEdit="1"/>
-              </p:cNvSpPr>
-              <p:nvPr/>
-            </p:nvSpPr>
-            <p:spPr>
-              <a:xfrm>
-                <a:off x="6061150" y="3972080"/>
-                <a:ext cx="4436664" cy="369332"/>
-              </a:xfrm>
-              <a:prstGeom prst="rect">
-                <a:avLst/>
-              </a:prstGeom>
-              <a:blipFill>
-                <a:blip r:embed="rId8"/>
-                <a:stretch>
-                  <a:fillRect t="-10000" r="-275" b="-26667"/>
-                </a:stretch>
-              </a:blipFill>
-            </p:spPr>
-            <p:txBody>
-              <a:bodyPr/>
-              <a:lstStyle/>
-              <a:p>
-                <a:r>
-                  <a:rPr lang="nl-BE">
-                    <a:noFill/>
-                  </a:rPr>
-                  <a:t> </a:t>
-                </a:r>
-              </a:p>
-            </p:txBody>
-          </p:sp>
-        </mc:Fallback>
-      </mc:AlternateContent>
-      <mc:AlternateContent xmlns:mc="http://schemas.openxmlformats.org/markup-compatibility/2006" xmlns:a14="http://schemas.microsoft.com/office/drawing/2010/main">
-        <mc:Choice Requires="a14">
-          <p:sp>
-            <p:nvSpPr>
-              <p:cNvPr id="25" name="TextBox 24">
-                <a:extLst>
-                  <a:ext uri="{FF2B5EF4-FFF2-40B4-BE49-F238E27FC236}">
-                    <a16:creationId xmlns:a16="http://schemas.microsoft.com/office/drawing/2014/main" id="{49F675FE-64C3-4465-864E-A9DB8C49C04F}"/>
-                  </a:ext>
-                </a:extLst>
-              </p:cNvPr>
-              <p:cNvSpPr txBox="1"/>
-              <p:nvPr/>
-            </p:nvSpPr>
-            <p:spPr>
-              <a:xfrm>
-                <a:off x="2615404" y="4364594"/>
-                <a:ext cx="6094520" cy="409536"/>
-              </a:xfrm>
-              <a:prstGeom prst="rect">
-                <a:avLst/>
-              </a:prstGeom>
-              <a:noFill/>
-            </p:spPr>
-            <p:txBody>
-              <a:bodyPr wrap="square">
-                <a:spAutoFit/>
-              </a:bodyPr>
-              <a:lstStyle/>
-              <a:p>
-                <a:pPr/>
-                <a14:m>
-                  <m:oMathPara xmlns:m="http://schemas.openxmlformats.org/officeDocument/2006/math">
-                    <m:oMathParaPr>
-                      <m:jc m:val="centerGroup"/>
-                    </m:oMathParaPr>
-                    <m:oMath xmlns:m="http://schemas.openxmlformats.org/officeDocument/2006/math">
-                      <m:sSub>
-                        <m:sSubPr>
-                          <m:ctrlPr>
-                            <a:rPr lang="nl-BE" sz="1800" i="1" smtClean="0">
-                              <a:latin typeface="Cambria Math" panose="02040503050406030204" pitchFamily="18" charset="0"/>
-                            </a:rPr>
-                          </m:ctrlPr>
-                        </m:sSubPr>
-                        <m:e>
-                          <m:acc>
-                            <m:accPr>
-                              <m:chr m:val="̇"/>
-                              <m:ctrlPr>
-                                <a:rPr lang="nl-BE" i="1">
-                                  <a:latin typeface="Cambria Math" panose="02040503050406030204" pitchFamily="18" charset="0"/>
-                                </a:rPr>
-                              </m:ctrlPr>
-                            </m:accPr>
-                            <m:e>
-                              <m:r>
-                                <a:rPr lang="nl-BE" i="1">
-                                  <a:latin typeface="Cambria Math" panose="02040503050406030204" pitchFamily="18" charset="0"/>
-                                </a:rPr>
-                                <m:t>𝑋</m:t>
-                              </m:r>
-                            </m:e>
-                          </m:acc>
-                        </m:e>
-                        <m:sub>
-                          <m:sSub>
-                            <m:sSubPr>
-                              <m:ctrlPr>
-                                <a:rPr lang="nl-BE" i="1" smtClean="0">
-                                  <a:latin typeface="Cambria Math" panose="02040503050406030204" pitchFamily="18" charset="0"/>
-                                </a:rPr>
-                              </m:ctrlPr>
-                            </m:sSubPr>
-                            <m:e>
-                              <m:r>
-                                <a:rPr lang="nl-BE" b="0" i="1" smtClean="0">
-                                  <a:latin typeface="Cambria Math" panose="02040503050406030204" pitchFamily="18" charset="0"/>
-                                </a:rPr>
-                                <m:t>𝑥</m:t>
-                              </m:r>
-                            </m:e>
-                            <m:sub>
-                              <m:r>
-                                <a:rPr lang="nl-BE" b="0" i="1" smtClean="0">
-                                  <a:latin typeface="Cambria Math" panose="02040503050406030204" pitchFamily="18" charset="0"/>
-                                </a:rPr>
-                                <m:t>𝑚</m:t>
-                              </m:r>
-                            </m:sub>
-                          </m:sSub>
-                        </m:sub>
-                      </m:sSub>
-                      <m:r>
-                        <a:rPr lang="nl-BE" sz="1800" b="0" i="1" smtClean="0">
-                          <a:latin typeface="Cambria Math" panose="02040503050406030204" pitchFamily="18" charset="0"/>
-                        </a:rPr>
-                        <m:t>=</m:t>
-                      </m:r>
-                      <m:sSub>
-                        <m:sSubPr>
-                          <m:ctrlPr>
-                            <a:rPr lang="nl-BE" sz="1800" b="0" i="1" smtClean="0">
-                              <a:latin typeface="Cambria Math" panose="02040503050406030204" pitchFamily="18" charset="0"/>
-                            </a:rPr>
-                          </m:ctrlPr>
-                        </m:sSubPr>
-                        <m:e>
-                          <m:r>
-                            <a:rPr lang="nl-BE" i="1">
-                              <a:latin typeface="Cambria Math" panose="02040503050406030204" pitchFamily="18" charset="0"/>
-                            </a:rPr>
-                            <m:t>𝐴</m:t>
-                          </m:r>
-                        </m:e>
-                        <m:sub>
-                          <m:sSub>
-                            <m:sSubPr>
-                              <m:ctrlPr>
-                                <a:rPr lang="nl-BE" i="1" smtClean="0">
-                                  <a:latin typeface="Cambria Math" panose="02040503050406030204" pitchFamily="18" charset="0"/>
-                                </a:rPr>
-                              </m:ctrlPr>
-                            </m:sSubPr>
-                            <m:e>
-                              <m:r>
-                                <a:rPr lang="nl-BE" b="0" i="1" smtClean="0">
-                                  <a:latin typeface="Cambria Math" panose="02040503050406030204" pitchFamily="18" charset="0"/>
-                                </a:rPr>
-                                <m:t>𝑥</m:t>
-                              </m:r>
-                            </m:e>
-                            <m:sub>
-                              <m:r>
-                                <a:rPr lang="nl-BE" b="0" i="1" smtClean="0">
-                                  <a:latin typeface="Cambria Math" panose="02040503050406030204" pitchFamily="18" charset="0"/>
-                                </a:rPr>
-                                <m:t>𝑚</m:t>
-                              </m:r>
-                            </m:sub>
-                          </m:sSub>
-                        </m:sub>
-                      </m:sSub>
-                      <m:r>
-                        <a:rPr lang="nl-BE" i="1">
-                          <a:latin typeface="Cambria Math" panose="02040503050406030204" pitchFamily="18" charset="0"/>
-                        </a:rPr>
-                        <m:t>𝑋</m:t>
-                      </m:r>
-                      <m:r>
-                        <a:rPr lang="nl-BE" sz="1800" b="0" i="1" smtClean="0">
-                          <a:latin typeface="Cambria Math" panose="02040503050406030204" pitchFamily="18" charset="0"/>
-                        </a:rPr>
-                        <m:t>+</m:t>
-                      </m:r>
-                      <m:sSub>
-                        <m:sSubPr>
-                          <m:ctrlPr>
-                            <a:rPr lang="nl-BE" i="1">
-                              <a:latin typeface="Cambria Math" panose="02040503050406030204" pitchFamily="18" charset="0"/>
-                            </a:rPr>
-                          </m:ctrlPr>
-                        </m:sSubPr>
-                        <m:e>
-                          <m:r>
-                            <a:rPr lang="nl-BE" b="0" i="1" smtClean="0">
-                              <a:latin typeface="Cambria Math" panose="02040503050406030204" pitchFamily="18" charset="0"/>
-                            </a:rPr>
-                            <m:t>𝐵</m:t>
-                          </m:r>
-                        </m:e>
-                        <m:sub>
-                          <m:sSub>
-                            <m:sSubPr>
-                              <m:ctrlPr>
-                                <a:rPr lang="nl-BE" i="1" smtClean="0">
-                                  <a:latin typeface="Cambria Math" panose="02040503050406030204" pitchFamily="18" charset="0"/>
-                                </a:rPr>
-                              </m:ctrlPr>
-                            </m:sSubPr>
-                            <m:e>
-                              <m:r>
-                                <a:rPr lang="nl-BE" b="0" i="1" smtClean="0">
-                                  <a:latin typeface="Cambria Math" panose="02040503050406030204" pitchFamily="18" charset="0"/>
-                                </a:rPr>
-                                <m:t>𝑥</m:t>
-                              </m:r>
-                            </m:e>
-                            <m:sub>
-                              <m:r>
-                                <a:rPr lang="nl-BE" b="0" i="1" smtClean="0">
-                                  <a:latin typeface="Cambria Math" panose="02040503050406030204" pitchFamily="18" charset="0"/>
-                                </a:rPr>
-                                <m:t>𝑚</m:t>
-                              </m:r>
-                            </m:sub>
-                          </m:sSub>
-                        </m:sub>
-                      </m:sSub>
-                      <m:r>
-                        <a:rPr lang="nl-BE" sz="1800" b="0" i="1" smtClean="0">
-                          <a:latin typeface="Cambria Math" panose="02040503050406030204" pitchFamily="18" charset="0"/>
-                        </a:rPr>
-                        <m:t>𝑢</m:t>
-                      </m:r>
-                      <m:r>
-                        <a:rPr lang="nl-BE" sz="1800" b="0" i="1" smtClean="0">
-                          <a:latin typeface="Cambria Math" panose="02040503050406030204" pitchFamily="18" charset="0"/>
-                        </a:rPr>
-                        <m:t>+</m:t>
-                      </m:r>
-                      <m:sSub>
-                        <m:sSubPr>
-                          <m:ctrlPr>
-                            <a:rPr lang="nl-BE" i="1">
-                              <a:latin typeface="Cambria Math" panose="02040503050406030204" pitchFamily="18" charset="0"/>
-                            </a:rPr>
-                          </m:ctrlPr>
-                        </m:sSubPr>
-                        <m:e>
-                          <m:r>
-                            <a:rPr lang="nl-BE" b="0" i="1" smtClean="0">
-                              <a:latin typeface="Cambria Math" panose="02040503050406030204" pitchFamily="18" charset="0"/>
-                            </a:rPr>
-                            <m:t>𝐶</m:t>
-                          </m:r>
-                        </m:e>
-                        <m:sub>
-                          <m:sSub>
-                            <m:sSubPr>
-                              <m:ctrlPr>
-                                <a:rPr lang="nl-BE" i="1" smtClean="0">
-                                  <a:latin typeface="Cambria Math" panose="02040503050406030204" pitchFamily="18" charset="0"/>
-                                </a:rPr>
-                              </m:ctrlPr>
-                            </m:sSubPr>
-                            <m:e>
-                              <m:r>
-                                <a:rPr lang="nl-BE" b="0" i="1" smtClean="0">
-                                  <a:latin typeface="Cambria Math" panose="02040503050406030204" pitchFamily="18" charset="0"/>
-                                </a:rPr>
-                                <m:t>𝑥</m:t>
-                              </m:r>
-                            </m:e>
-                            <m:sub>
-                              <m:r>
-                                <a:rPr lang="nl-BE" b="0" i="1" smtClean="0">
-                                  <a:latin typeface="Cambria Math" panose="02040503050406030204" pitchFamily="18" charset="0"/>
-                                </a:rPr>
-                                <m:t>𝑚</m:t>
-                              </m:r>
-                            </m:sub>
-                          </m:sSub>
-                        </m:sub>
-                      </m:sSub>
-                      <m:r>
-                        <a:rPr lang="nl-BE" sz="1800" b="0" i="1" smtClean="0">
-                          <a:latin typeface="Cambria Math" panose="02040503050406030204" pitchFamily="18" charset="0"/>
-                        </a:rPr>
-                        <m:t>𝑤</m:t>
-                      </m:r>
-                    </m:oMath>
-                  </m:oMathPara>
-                </a14:m>
-                <a:endParaRPr lang="nl-BE" dirty="0"/>
-              </a:p>
-            </p:txBody>
-          </p:sp>
-        </mc:Choice>
-        <mc:Fallback xmlns="">
-          <p:sp>
-            <p:nvSpPr>
-              <p:cNvPr id="25" name="TextBox 24">
-                <a:extLst>
-                  <a:ext uri="{FF2B5EF4-FFF2-40B4-BE49-F238E27FC236}">
-                    <a16:creationId xmlns:a16="http://schemas.microsoft.com/office/drawing/2014/main" id="{49F675FE-64C3-4465-864E-A9DB8C49C04F}"/>
-                  </a:ext>
-                </a:extLst>
-              </p:cNvPr>
-              <p:cNvSpPr txBox="1">
-                <a:spLocks noRot="1" noChangeAspect="1" noMove="1" noResize="1" noEditPoints="1" noAdjustHandles="1" noChangeArrowheads="1" noChangeShapeType="1" noTextEdit="1"/>
-              </p:cNvSpPr>
-              <p:nvPr/>
-            </p:nvSpPr>
-            <p:spPr>
-              <a:xfrm>
-                <a:off x="2615404" y="4364594"/>
-                <a:ext cx="6094520" cy="409536"/>
-              </a:xfrm>
-              <a:prstGeom prst="rect">
-                <a:avLst/>
-              </a:prstGeom>
-              <a:blipFill>
-                <a:blip r:embed="rId9"/>
-                <a:stretch>
-                  <a:fillRect/>
-                </a:stretch>
-              </a:blipFill>
-            </p:spPr>
-            <p:txBody>
-              <a:bodyPr/>
-              <a:lstStyle/>
-              <a:p>
-                <a:r>
-                  <a:rPr lang="nl-BE">
-                    <a:noFill/>
-                  </a:rPr>
-                  <a:t> </a:t>
-                </a:r>
-              </a:p>
-            </p:txBody>
-          </p:sp>
-        </mc:Fallback>
-      </mc:AlternateContent>
-      <mc:AlternateContent xmlns:mc="http://schemas.openxmlformats.org/markup-compatibility/2006" xmlns:a14="http://schemas.microsoft.com/office/drawing/2010/main">
-        <mc:Choice Requires="a14">
+      <mc:AlternateContent xmlns:mc="http://schemas.openxmlformats.org/markup-compatibility/2006">
+        <mc:Choice xmlns:a14="http://schemas.microsoft.com/office/drawing/2010/main" Requires="a14">
           <p:sp>
             <p:nvSpPr>
               <p:cNvPr id="28" name="TextBox 27">
@@ -6821,7 +6134,7 @@
             </p:nvSpPr>
             <p:spPr>
               <a:xfrm>
-                <a:off x="3801385" y="5002386"/>
+                <a:off x="3801385" y="4540747"/>
                 <a:ext cx="3409093" cy="786177"/>
               </a:xfrm>
               <a:prstGeom prst="rect">
@@ -7039,7 +6352,7 @@
             </p:txBody>
           </p:sp>
         </mc:Choice>
-        <mc:Fallback xmlns="">
+        <mc:Fallback>
           <p:sp>
             <p:nvSpPr>
               <p:cNvPr id="28" name="TextBox 27">
@@ -7056,14 +6369,14 @@
             </p:nvSpPr>
             <p:spPr>
               <a:xfrm>
-                <a:off x="3801385" y="5002386"/>
+                <a:off x="3801385" y="4540747"/>
                 <a:ext cx="3409093" cy="786177"/>
               </a:xfrm>
               <a:prstGeom prst="rect">
                 <a:avLst/>
               </a:prstGeom>
               <a:blipFill>
-                <a:blip r:embed="rId10"/>
+                <a:blip r:embed="rId7"/>
                 <a:stretch>
                   <a:fillRect/>
                 </a:stretch>
@@ -7084,8 +6397,8 @@
           </p:sp>
         </mc:Fallback>
       </mc:AlternateContent>
-      <mc:AlternateContent xmlns:mc="http://schemas.openxmlformats.org/markup-compatibility/2006" xmlns:a14="http://schemas.microsoft.com/office/drawing/2010/main">
-        <mc:Choice Requires="a14">
+      <mc:AlternateContent xmlns:mc="http://schemas.openxmlformats.org/markup-compatibility/2006">
+        <mc:Choice xmlns:a14="http://schemas.microsoft.com/office/drawing/2010/main" Requires="a14">
           <p:sp>
             <p:nvSpPr>
               <p:cNvPr id="29" name="TextBox 28">
@@ -7100,7 +6413,7 @@
             </p:nvSpPr>
             <p:spPr>
               <a:xfrm>
-                <a:off x="3801385" y="5820594"/>
+                <a:off x="3801385" y="5358955"/>
                 <a:ext cx="3409093" cy="786177"/>
               </a:xfrm>
               <a:prstGeom prst="rect">
@@ -7318,7 +6631,7 @@
             </p:txBody>
           </p:sp>
         </mc:Choice>
-        <mc:Fallback xmlns="">
+        <mc:Fallback>
           <p:sp>
             <p:nvSpPr>
               <p:cNvPr id="29" name="TextBox 28">
@@ -7335,14 +6648,14 @@
             </p:nvSpPr>
             <p:spPr>
               <a:xfrm>
-                <a:off x="3801385" y="5820594"/>
+                <a:off x="3801385" y="5358955"/>
                 <a:ext cx="3409093" cy="786177"/>
               </a:xfrm>
               <a:prstGeom prst="rect">
                 <a:avLst/>
               </a:prstGeom>
               <a:blipFill>
-                <a:blip r:embed="rId11"/>
+                <a:blip r:embed="rId8"/>
                 <a:stretch>
                   <a:fillRect/>
                 </a:stretch>
@@ -7363,8 +6676,8 @@
           </p:sp>
         </mc:Fallback>
       </mc:AlternateContent>
-      <mc:AlternateContent xmlns:mc="http://schemas.openxmlformats.org/markup-compatibility/2006" xmlns:a14="http://schemas.microsoft.com/office/drawing/2010/main">
-        <mc:Choice Requires="a14">
+      <mc:AlternateContent xmlns:mc="http://schemas.openxmlformats.org/markup-compatibility/2006">
+        <mc:Choice xmlns:a14="http://schemas.microsoft.com/office/drawing/2010/main" Requires="a14">
           <p:sp>
             <p:nvSpPr>
               <p:cNvPr id="32" name="TextBox 31">
@@ -7379,7 +6692,7 @@
             </p:nvSpPr>
             <p:spPr>
               <a:xfrm>
-                <a:off x="7239264" y="5346329"/>
+                <a:off x="7239264" y="4884690"/>
                 <a:ext cx="2941320" cy="948529"/>
               </a:xfrm>
               <a:prstGeom prst="rect">
@@ -7582,7 +6895,7 @@
             </p:txBody>
           </p:sp>
         </mc:Choice>
-        <mc:Fallback xmlns="">
+        <mc:Fallback>
           <p:sp>
             <p:nvSpPr>
               <p:cNvPr id="32" name="TextBox 31">
@@ -7599,14 +6912,14 @@
             </p:nvSpPr>
             <p:spPr>
               <a:xfrm>
-                <a:off x="7239264" y="5346329"/>
+                <a:off x="7239264" y="4884690"/>
                 <a:ext cx="2941320" cy="948529"/>
               </a:xfrm>
               <a:prstGeom prst="rect">
                 <a:avLst/>
               </a:prstGeom>
               <a:blipFill>
-                <a:blip r:embed="rId12"/>
+                <a:blip r:embed="rId9"/>
                 <a:stretch>
                   <a:fillRect l="-1867" t="-2564" r="-1452" b="-8974"/>
                 </a:stretch>
@@ -7641,7 +6954,7 @@
         </p:nvSpPr>
         <p:spPr>
           <a:xfrm>
-            <a:off x="157486" y="4989596"/>
+            <a:off x="157486" y="4527957"/>
             <a:ext cx="3665220" cy="830997"/>
           </a:xfrm>
           <a:prstGeom prst="rect">
@@ -7828,7 +7141,7 @@
         </p:nvSpPr>
         <p:spPr>
           <a:xfrm>
-            <a:off x="140082" y="5976119"/>
+            <a:off x="140082" y="5514480"/>
             <a:ext cx="3665220" cy="646331"/>
           </a:xfrm>
           <a:prstGeom prst="rect">
@@ -7985,8 +7298,8 @@
           </a:p>
         </p:txBody>
       </p:sp>
-      <mc:AlternateContent xmlns:mc="http://schemas.openxmlformats.org/markup-compatibility/2006" xmlns:a14="http://schemas.microsoft.com/office/drawing/2010/main">
-        <mc:Choice Requires="a14">
+      <mc:AlternateContent xmlns:mc="http://schemas.openxmlformats.org/markup-compatibility/2006">
+        <mc:Choice xmlns:a14="http://schemas.microsoft.com/office/drawing/2010/main" Requires="a14">
           <p:sp>
             <p:nvSpPr>
               <p:cNvPr id="36" name="TextBox 35">
@@ -8001,7 +7314,7 @@
             </p:nvSpPr>
             <p:spPr>
               <a:xfrm>
-                <a:off x="1099542" y="4730678"/>
+                <a:off x="1099542" y="4269039"/>
                 <a:ext cx="1515862" cy="369332"/>
               </a:xfrm>
               <a:prstGeom prst="rect">
@@ -8139,7 +7452,7 @@
             </p:txBody>
           </p:sp>
         </mc:Choice>
-        <mc:Fallback xmlns="">
+        <mc:Fallback>
           <p:sp>
             <p:nvSpPr>
               <p:cNvPr id="36" name="TextBox 35">
@@ -8156,14 +7469,14 @@
             </p:nvSpPr>
             <p:spPr>
               <a:xfrm>
-                <a:off x="1099542" y="4730678"/>
+                <a:off x="1099542" y="4269039"/>
                 <a:ext cx="1515862" cy="369332"/>
               </a:xfrm>
               <a:prstGeom prst="rect">
                 <a:avLst/>
               </a:prstGeom>
               <a:blipFill>
-                <a:blip r:embed="rId13"/>
+                <a:blip r:embed="rId10"/>
                 <a:stretch>
                   <a:fillRect/>
                 </a:stretch>
@@ -8184,8 +7497,8 @@
           </p:sp>
         </mc:Fallback>
       </mc:AlternateContent>
-      <mc:AlternateContent xmlns:mc="http://schemas.openxmlformats.org/markup-compatibility/2006" xmlns:a14="http://schemas.microsoft.com/office/drawing/2010/main">
-        <mc:Choice Requires="a14">
+      <mc:AlternateContent xmlns:mc="http://schemas.openxmlformats.org/markup-compatibility/2006">
+        <mc:Choice xmlns:a14="http://schemas.microsoft.com/office/drawing/2010/main" Requires="a14">
           <p:sp>
             <p:nvSpPr>
               <p:cNvPr id="38" name="TextBox 37">
@@ -8200,8 +7513,8 @@
             </p:nvSpPr>
             <p:spPr>
               <a:xfrm>
-                <a:off x="-1231974" y="5716374"/>
-                <a:ext cx="6094520" cy="369332"/>
+                <a:off x="609048" y="5254735"/>
+                <a:ext cx="2247142" cy="369332"/>
               </a:xfrm>
               <a:prstGeom prst="rect">
                 <a:avLst/>
@@ -8317,7 +7630,7 @@
             </p:txBody>
           </p:sp>
         </mc:Choice>
-        <mc:Fallback xmlns="">
+        <mc:Fallback>
           <p:sp>
             <p:nvSpPr>
               <p:cNvPr id="38" name="TextBox 37">
@@ -8334,16 +7647,220 @@
             </p:nvSpPr>
             <p:spPr>
               <a:xfrm>
-                <a:off x="-1231974" y="5716374"/>
-                <a:ext cx="6094520" cy="369332"/>
+                <a:off x="609048" y="5254735"/>
+                <a:ext cx="2247142" cy="369332"/>
               </a:xfrm>
               <a:prstGeom prst="rect">
                 <a:avLst/>
               </a:prstGeom>
               <a:blipFill>
-                <a:blip r:embed="rId14"/>
+                <a:blip r:embed="rId11"/>
                 <a:stretch>
                   <a:fillRect/>
+                </a:stretch>
+              </a:blipFill>
+            </p:spPr>
+            <p:txBody>
+              <a:bodyPr/>
+              <a:lstStyle/>
+              <a:p>
+                <a:r>
+                  <a:rPr lang="nl-BE">
+                    <a:noFill/>
+                  </a:rPr>
+                  <a:t> </a:t>
+                </a:r>
+              </a:p>
+            </p:txBody>
+          </p:sp>
+        </mc:Fallback>
+      </mc:AlternateContent>
+      <mc:AlternateContent xmlns:mc="http://schemas.openxmlformats.org/markup-compatibility/2006">
+        <mc:Choice xmlns:a14="http://schemas.microsoft.com/office/drawing/2010/main" Requires="a14">
+          <p:sp>
+            <p:nvSpPr>
+              <p:cNvPr id="3" name="TextBox 2">
+                <a:extLst>
+                  <a:ext uri="{FF2B5EF4-FFF2-40B4-BE49-F238E27FC236}">
+                    <a16:creationId xmlns:a16="http://schemas.microsoft.com/office/drawing/2014/main" id="{96A399D1-03D5-4040-BB86-5CD0695A1512}"/>
+                  </a:ext>
+                </a:extLst>
+              </p:cNvPr>
+              <p:cNvSpPr txBox="1"/>
+              <p:nvPr/>
+            </p:nvSpPr>
+            <p:spPr>
+              <a:xfrm>
+                <a:off x="3045040" y="3994442"/>
+                <a:ext cx="5110630" cy="377989"/>
+              </a:xfrm>
+              <a:prstGeom prst="rect">
+                <a:avLst/>
+              </a:prstGeom>
+              <a:noFill/>
+            </p:spPr>
+            <p:txBody>
+              <a:bodyPr wrap="none" rtlCol="0">
+                <a:spAutoFit/>
+              </a:bodyPr>
+              <a:lstStyle/>
+              <a:p>
+                <a:r>
+                  <a:rPr lang="nl-BE" dirty="0"/>
+                  <a:t>We </a:t>
+                </a:r>
+                <a:r>
+                  <a:rPr lang="nl-BE" dirty="0" err="1"/>
+                  <a:t>can</a:t>
+                </a:r>
+                <a:r>
+                  <a:rPr lang="nl-BE" dirty="0"/>
+                  <a:t> </a:t>
+                </a:r>
+                <a:r>
+                  <a:rPr lang="nl-BE" dirty="0" err="1"/>
+                  <a:t>linearize</a:t>
+                </a:r>
+                <a:r>
+                  <a:rPr lang="nl-BE" dirty="0"/>
+                  <a:t> </a:t>
+                </a:r>
+                <a:r>
+                  <a:rPr lang="nl-BE" dirty="0" err="1"/>
+                  <a:t>the</a:t>
+                </a:r>
+                <a:r>
+                  <a:rPr lang="nl-BE" dirty="0"/>
+                  <a:t> </a:t>
+                </a:r>
+                <a:r>
+                  <a:rPr lang="nl-BE" dirty="0" err="1"/>
+                  <a:t>sensitivity</a:t>
+                </a:r>
+                <a:r>
+                  <a:rPr lang="nl-BE" dirty="0"/>
+                  <a:t> of </a:t>
+                </a:r>
+                <a14:m>
+                  <m:oMath xmlns:m="http://schemas.openxmlformats.org/officeDocument/2006/math">
+                    <m:acc>
+                      <m:accPr>
+                        <m:chr m:val="̇"/>
+                        <m:ctrlPr>
+                          <a:rPr lang="nl-BE" sz="1800" i="1" smtClean="0">
+                            <a:latin typeface="Cambria Math" panose="02040503050406030204" pitchFamily="18" charset="0"/>
+                          </a:rPr>
+                        </m:ctrlPr>
+                      </m:accPr>
+                      <m:e>
+                        <m:r>
+                          <a:rPr lang="nl-BE" sz="1800" b="0" i="1" smtClean="0">
+                            <a:latin typeface="Cambria Math" panose="02040503050406030204" pitchFamily="18" charset="0"/>
+                          </a:rPr>
+                          <m:t>𝑋</m:t>
+                        </m:r>
+                      </m:e>
+                    </m:acc>
+                  </m:oMath>
+                </a14:m>
+                <a:r>
+                  <a:rPr lang="nl-BE" dirty="0"/>
+                  <a:t> </a:t>
+                </a:r>
+                <a:r>
+                  <a:rPr lang="nl-BE" dirty="0" err="1"/>
+                  <a:t>to</a:t>
+                </a:r>
+                <a:r>
+                  <a:rPr lang="nl-BE" dirty="0"/>
+                  <a:t> </a:t>
+                </a:r>
+                <a14:m>
+                  <m:oMath xmlns:m="http://schemas.openxmlformats.org/officeDocument/2006/math">
+                    <m:r>
+                      <a:rPr lang="nl-BE" i="1">
+                        <a:latin typeface="Cambria Math" panose="02040503050406030204" pitchFamily="18" charset="0"/>
+                      </a:rPr>
+                      <m:t>𝑋</m:t>
+                    </m:r>
+                  </m:oMath>
+                </a14:m>
+                <a:r>
+                  <a:rPr lang="nl-BE" dirty="0"/>
+                  <a:t> </a:t>
+                </a:r>
+                <a:r>
+                  <a:rPr lang="nl-BE" dirty="0" err="1"/>
+                  <a:t>around</a:t>
+                </a:r>
+                <a:r>
+                  <a:rPr lang="nl-BE" dirty="0"/>
+                  <a:t> </a:t>
+                </a:r>
+                <a14:m>
+                  <m:oMath xmlns:m="http://schemas.openxmlformats.org/officeDocument/2006/math">
+                    <m:sSub>
+                      <m:sSubPr>
+                        <m:ctrlPr>
+                          <a:rPr lang="nl-BE" i="1">
+                            <a:latin typeface="Cambria Math" panose="02040503050406030204" pitchFamily="18" charset="0"/>
+                          </a:rPr>
+                        </m:ctrlPr>
+                      </m:sSubPr>
+                      <m:e>
+                        <m:r>
+                          <a:rPr lang="nl-BE" i="1">
+                            <a:latin typeface="Cambria Math" panose="02040503050406030204" pitchFamily="18" charset="0"/>
+                          </a:rPr>
+                          <m:t>𝑥</m:t>
+                        </m:r>
+                      </m:e>
+                      <m:sub>
+                        <m:r>
+                          <a:rPr lang="nl-BE" i="1">
+                            <a:latin typeface="Cambria Math" panose="02040503050406030204" pitchFamily="18" charset="0"/>
+                          </a:rPr>
+                          <m:t>𝑚</m:t>
+                        </m:r>
+                      </m:sub>
+                    </m:sSub>
+                  </m:oMath>
+                </a14:m>
+                <a:r>
+                  <a:rPr lang="nl-BE" dirty="0"/>
+                  <a:t> </a:t>
+                </a:r>
+              </a:p>
+            </p:txBody>
+          </p:sp>
+        </mc:Choice>
+        <mc:Fallback>
+          <p:sp>
+            <p:nvSpPr>
+              <p:cNvPr id="3" name="TextBox 2">
+                <a:extLst>
+                  <a:ext uri="{FF2B5EF4-FFF2-40B4-BE49-F238E27FC236}">
+                    <a16:creationId xmlns:a16="http://schemas.microsoft.com/office/drawing/2014/main" id="{96A399D1-03D5-4040-BB86-5CD0695A1512}"/>
+                  </a:ext>
+                </a:extLst>
+              </p:cNvPr>
+              <p:cNvSpPr txBox="1">
+                <a:spLocks noRot="1" noChangeAspect="1" noMove="1" noResize="1" noEditPoints="1" noAdjustHandles="1" noChangeArrowheads="1" noChangeShapeType="1" noTextEdit="1"/>
+              </p:cNvSpPr>
+              <p:nvPr/>
+            </p:nvSpPr>
+            <p:spPr>
+              <a:xfrm>
+                <a:off x="3045040" y="3994442"/>
+                <a:ext cx="5110630" cy="377989"/>
+              </a:xfrm>
+              <a:prstGeom prst="rect">
+                <a:avLst/>
+              </a:prstGeom>
+              <a:blipFill>
+                <a:blip r:embed="rId12"/>
+                <a:stretch>
+                  <a:fillRect l="-1074" t="-4839" b="-25806"/>
                 </a:stretch>
               </a:blipFill>
             </p:spPr>
@@ -10168,8 +9685,8 @@
           <a:chExt cx="0" cy="0"/>
         </a:xfrm>
       </p:grpSpPr>
-      <mc:AlternateContent xmlns:mc="http://schemas.openxmlformats.org/markup-compatibility/2006">
-        <mc:Choice xmlns:a14="http://schemas.microsoft.com/office/drawing/2010/main" Requires="a14">
+      <mc:AlternateContent xmlns:mc="http://schemas.openxmlformats.org/markup-compatibility/2006" xmlns:a14="http://schemas.microsoft.com/office/drawing/2010/main">
+        <mc:Choice Requires="a14">
           <p:sp>
             <p:nvSpPr>
               <p:cNvPr id="3" name="Content Placeholder 2">
@@ -10660,7 +10177,7 @@
             </p:txBody>
           </p:sp>
         </mc:Choice>
-        <mc:Fallback>
+        <mc:Fallback xmlns="">
           <p:sp>
             <p:nvSpPr>
               <p:cNvPr id="3" name="Content Placeholder 2">
